--- a/code/templates/Teal.pptx
+++ b/code/templates/Teal.pptx
@@ -204,7 +204,7 @@
           <a:effectLst/>
           <a:extLst>
             <a:ext uri="{91240B29-F687-4f45-9708-019B960494DF}">
-              <a14:hiddenLine xmlns="" xmlns:a14="http://schemas.microsoft.com/office/drawing/2010/main" w="9525">
+              <a14:hiddenLine xmlns:a14="http://schemas.microsoft.com/office/drawing/2010/main" xmlns="" w="9525">
                 <a:solidFill>
                   <a:srgbClr val="000000"/>
                 </a:solidFill>
@@ -259,71 +259,6 @@
               <a:t>Click to edit Master title style</a:t>
             </a:r>
             <a:endParaRPr lang="en-US" dirty="0"/>
-          </a:p>
-        </p:txBody>
-      </p:sp>
-      <p:sp>
-        <p:nvSpPr>
-          <p:cNvPr id="4" name="Date Placeholder 3"/>
-          <p:cNvSpPr>
-            <a:spLocks noGrp="1"/>
-          </p:cNvSpPr>
-          <p:nvPr>
-            <p:ph type="dt" sz="half" idx="10"/>
-          </p:nvPr>
-        </p:nvSpPr>
-        <p:spPr/>
-        <p:txBody>
-          <a:bodyPr/>
-          <a:lstStyle/>
-          <a:p>
-            <a:fld id="{A55E709B-C4AD-4356-B3D6-20DACB20CCCE}" type="datetimeFigureOut">
-              <a:rPr lang="en-US" smtClean="0"/>
-              <a:t>9/18/2024</a:t>
-            </a:fld>
-            <a:endParaRPr lang="en-US"/>
-          </a:p>
-        </p:txBody>
-      </p:sp>
-      <p:sp>
-        <p:nvSpPr>
-          <p:cNvPr id="5" name="Footer Placeholder 4"/>
-          <p:cNvSpPr>
-            <a:spLocks noGrp="1"/>
-          </p:cNvSpPr>
-          <p:nvPr>
-            <p:ph type="ftr" sz="quarter" idx="11"/>
-          </p:nvPr>
-        </p:nvSpPr>
-        <p:spPr/>
-        <p:txBody>
-          <a:bodyPr/>
-          <a:lstStyle/>
-          <a:p>
-            <a:endParaRPr lang="en-US"/>
-          </a:p>
-        </p:txBody>
-      </p:sp>
-      <p:sp>
-        <p:nvSpPr>
-          <p:cNvPr id="6" name="Slide Number Placeholder 5"/>
-          <p:cNvSpPr>
-            <a:spLocks noGrp="1"/>
-          </p:cNvSpPr>
-          <p:nvPr>
-            <p:ph type="sldNum" sz="quarter" idx="12"/>
-          </p:nvPr>
-        </p:nvSpPr>
-        <p:spPr/>
-        <p:txBody>
-          <a:bodyPr/>
-          <a:lstStyle/>
-          <a:p>
-            <a:fld id="{ECE9279C-7783-41E7-AC24-D1691E4F447C}" type="slidenum">
-              <a:rPr lang="en-US" smtClean="0"/>
-              <a:t>‹#›</a:t>
-            </a:fld>
-            <a:endParaRPr lang="en-US"/>
           </a:p>
         </p:txBody>
       </p:sp>
@@ -434,7 +369,7 @@
           <a:ln/>
           <a:extLst>
             <a:ext uri="{91240B29-F687-4f45-9708-019B960494DF}">
-              <a14:hiddenLine xmlns="" xmlns:a14="http://schemas.microsoft.com/office/drawing/2010/main" w="9525">
+              <a14:hiddenLine xmlns:a14="http://schemas.microsoft.com/office/drawing/2010/main" xmlns="" w="9525">
                 <a:solidFill>
                   <a:srgbClr val="000000"/>
                 </a:solidFill>
@@ -500,8 +435,8 @@
         </p:nvSpPr>
         <p:spPr>
           <a:xfrm>
-            <a:off x="818712" y="2222287"/>
-            <a:ext cx="10554574" cy="3636511"/>
+            <a:off x="2553418" y="2282672"/>
+            <a:ext cx="9311573" cy="3636511"/>
           </a:xfrm>
         </p:spPr>
         <p:txBody>
@@ -510,103 +445,37 @@
           <a:p>
             <a:pPr lvl="0"/>
             <a:r>
-              <a:rPr lang="en-US"/>
+              <a:rPr lang="en-US" dirty="0"/>
               <a:t>Click to edit Master text styles</a:t>
             </a:r>
           </a:p>
           <a:p>
             <a:pPr lvl="1"/>
             <a:r>
-              <a:rPr lang="en-US"/>
+              <a:rPr lang="en-US" dirty="0"/>
               <a:t>Second level</a:t>
             </a:r>
           </a:p>
           <a:p>
             <a:pPr lvl="2"/>
             <a:r>
-              <a:rPr lang="en-US"/>
+              <a:rPr lang="en-US" dirty="0"/>
               <a:t>Third level</a:t>
             </a:r>
           </a:p>
           <a:p>
             <a:pPr lvl="3"/>
             <a:r>
-              <a:rPr lang="en-US"/>
+              <a:rPr lang="en-US" dirty="0"/>
               <a:t>Fourth level</a:t>
             </a:r>
           </a:p>
           <a:p>
             <a:pPr lvl="4"/>
             <a:r>
-              <a:rPr lang="en-US"/>
+              <a:rPr lang="en-US" dirty="0"/>
               <a:t>Fifth level</a:t>
             </a:r>
-            <a:endParaRPr lang="en-US" dirty="0"/>
-          </a:p>
-        </p:txBody>
-      </p:sp>
-      <p:sp>
-        <p:nvSpPr>
-          <p:cNvPr id="4" name="Date Placeholder 3"/>
-          <p:cNvSpPr>
-            <a:spLocks noGrp="1"/>
-          </p:cNvSpPr>
-          <p:nvPr>
-            <p:ph type="dt" sz="half" idx="10"/>
-          </p:nvPr>
-        </p:nvSpPr>
-        <p:spPr/>
-        <p:txBody>
-          <a:bodyPr/>
-          <a:lstStyle/>
-          <a:p>
-            <a:fld id="{A55E709B-C4AD-4356-B3D6-20DACB20CCCE}" type="datetimeFigureOut">
-              <a:rPr lang="en-US" smtClean="0"/>
-              <a:t>9/18/2024</a:t>
-            </a:fld>
-            <a:endParaRPr lang="en-US"/>
-          </a:p>
-        </p:txBody>
-      </p:sp>
-      <p:sp>
-        <p:nvSpPr>
-          <p:cNvPr id="5" name="Footer Placeholder 4"/>
-          <p:cNvSpPr>
-            <a:spLocks noGrp="1"/>
-          </p:cNvSpPr>
-          <p:nvPr>
-            <p:ph type="ftr" sz="quarter" idx="11"/>
-          </p:nvPr>
-        </p:nvSpPr>
-        <p:spPr/>
-        <p:txBody>
-          <a:bodyPr/>
-          <a:lstStyle/>
-          <a:p>
-            <a:endParaRPr lang="en-US"/>
-          </a:p>
-        </p:txBody>
-      </p:sp>
-      <p:sp>
-        <p:nvSpPr>
-          <p:cNvPr id="6" name="Slide Number Placeholder 5"/>
-          <p:cNvSpPr>
-            <a:spLocks noGrp="1"/>
-          </p:cNvSpPr>
-          <p:nvPr>
-            <p:ph type="sldNum" sz="quarter" idx="12"/>
-          </p:nvPr>
-        </p:nvSpPr>
-        <p:spPr/>
-        <p:txBody>
-          <a:bodyPr/>
-          <a:lstStyle/>
-          <a:p>
-            <a:fld id="{ECE9279C-7783-41E7-AC24-D1691E4F447C}" type="slidenum">
-              <a:rPr lang="en-US" smtClean="0"/>
-              <a:t>‹#›</a:t>
-            </a:fld>
-            <a:endParaRPr lang="en-US"/>
           </a:p>
         </p:txBody>
       </p:sp>
@@ -642,6 +511,57 @@
       </p:grpSpPr>
       <p:sp>
         <p:nvSpPr>
+          <p:cNvPr id="8" name="Speech Bubble: Rectangle 7">
+            <a:extLst>
+              <a:ext uri="{FF2B5EF4-FFF2-40B4-BE49-F238E27FC236}">
+                <a16:creationId xmlns:a16="http://schemas.microsoft.com/office/drawing/2014/main" id="{78277C05-312A-6F9E-3542-282EDAE6CE39}"/>
+              </a:ext>
+            </a:extLst>
+          </p:cNvPr>
+          <p:cNvSpPr>
+            <a:spLocks noGrp="1" noRot="1" noMove="1" noResize="1" noEditPoints="1" noAdjustHandles="1" noChangeArrowheads="1" noChangeShapeType="1"/>
+          </p:cNvSpPr>
+          <p:nvPr userDrawn="1"/>
+        </p:nvSpPr>
+        <p:spPr>
+          <a:xfrm rot="5400000">
+            <a:off x="5590603" y="256604"/>
+            <a:ext cx="6858000" cy="6344793"/>
+          </a:xfrm>
+          <a:prstGeom prst="wedgeRectCallout">
+            <a:avLst>
+              <a:gd name="adj1" fmla="val -19106"/>
+              <a:gd name="adj2" fmla="val 48991"/>
+            </a:avLst>
+          </a:prstGeom>
+        </p:spPr>
+        <p:style>
+          <a:lnRef idx="2">
+            <a:schemeClr val="accent1">
+              <a:shade val="15000"/>
+            </a:schemeClr>
+          </a:lnRef>
+          <a:fillRef idx="1">
+            <a:schemeClr val="accent1"/>
+          </a:fillRef>
+          <a:effectRef idx="0">
+            <a:schemeClr val="accent1"/>
+          </a:effectRef>
+          <a:fontRef idx="minor">
+            <a:schemeClr val="lt1"/>
+          </a:fontRef>
+        </p:style>
+        <p:txBody>
+          <a:bodyPr rtlCol="0" anchor="ctr"/>
+          <a:lstStyle/>
+          <a:p>
+            <a:pPr algn="ctr"/>
+            <a:endParaRPr lang="en-US"/>
+          </a:p>
+        </p:txBody>
+      </p:sp>
+      <p:sp>
+        <p:nvSpPr>
           <p:cNvPr id="2" name="Title 1"/>
           <p:cNvSpPr>
             <a:spLocks noGrp="1"/>
@@ -652,7 +572,7 @@
         </p:nvSpPr>
         <p:spPr>
           <a:xfrm>
-            <a:off x="814728" y="325152"/>
+            <a:off x="753436" y="299273"/>
             <a:ext cx="4852988" cy="1617163"/>
           </a:xfrm>
           <a:noFill/>
@@ -671,20 +591,19 @@
           </a:effectLst>
         </p:spPr>
         <p:txBody>
-          <a:bodyPr anchor="b">
+          <a:bodyPr anchor="ctr">
             <a:normAutofit/>
           </a:bodyPr>
           <a:lstStyle>
-            <a:lvl1pPr algn="l">
+            <a:lvl1pPr algn="ctr">
               <a:defRPr sz="2400" b="0"/>
             </a:lvl1pPr>
           </a:lstStyle>
           <a:p>
             <a:r>
-              <a:rPr lang="en-US"/>
+              <a:rPr lang="en-US" dirty="0"/>
               <a:t>Click to edit Master title style</a:t>
             </a:r>
-            <a:endParaRPr lang="en-US" dirty="0"/>
           </a:p>
         </p:txBody>
       </p:sp>
@@ -700,72 +619,12 @@
         </p:nvSpPr>
         <p:spPr bwMode="auto">
           <a:xfrm>
-            <a:off x="5847207" y="1746849"/>
-            <a:ext cx="6093883" cy="3364302"/>
+            <a:off x="6095999" y="1746849"/>
+            <a:ext cx="5845091" cy="3364302"/>
           </a:xfrm>
-          <a:custGeom>
+          <a:prstGeom prst="rect">
             <a:avLst/>
-            <a:gdLst/>
-            <a:ahLst/>
-            <a:cxnLst/>
-            <a:rect l="0" t="0" r="r" b="b"/>
-            <a:pathLst>
-              <a:path w="2879" h="4320">
-                <a:moveTo>
-                  <a:pt x="183" y="0"/>
-                </a:moveTo>
-                <a:lnTo>
-                  <a:pt x="183" y="1197"/>
-                </a:lnTo>
-                <a:lnTo>
-                  <a:pt x="8" y="1372"/>
-                </a:lnTo>
-                <a:lnTo>
-                  <a:pt x="8" y="1372"/>
-                </a:lnTo>
-                <a:lnTo>
-                  <a:pt x="6" y="1376"/>
-                </a:lnTo>
-                <a:lnTo>
-                  <a:pt x="3" y="1382"/>
-                </a:lnTo>
-                <a:lnTo>
-                  <a:pt x="0" y="1387"/>
-                </a:lnTo>
-                <a:lnTo>
-                  <a:pt x="0" y="1393"/>
-                </a:lnTo>
-                <a:lnTo>
-                  <a:pt x="0" y="1399"/>
-                </a:lnTo>
-                <a:lnTo>
-                  <a:pt x="3" y="1404"/>
-                </a:lnTo>
-                <a:lnTo>
-                  <a:pt x="6" y="1410"/>
-                </a:lnTo>
-                <a:lnTo>
-                  <a:pt x="8" y="1414"/>
-                </a:lnTo>
-                <a:lnTo>
-                  <a:pt x="183" y="1589"/>
-                </a:lnTo>
-                <a:lnTo>
-                  <a:pt x="183" y="4320"/>
-                </a:lnTo>
-                <a:lnTo>
-                  <a:pt x="2879" y="4320"/>
-                </a:lnTo>
-                <a:lnTo>
-                  <a:pt x="2879" y="0"/>
-                </a:lnTo>
-                <a:lnTo>
-                  <a:pt x="183" y="0"/>
-                </a:lnTo>
-                <a:close/>
-              </a:path>
-            </a:pathLst>
-          </a:custGeom>
+          </a:prstGeom>
           <a:noFill/>
           <a:ln w="9525">
             <a:solidFill>
@@ -793,90 +652,9 @@
           </a:lstStyle>
           <a:p>
             <a:r>
-              <a:rPr lang="en-US"/>
+              <a:rPr lang="en-US" dirty="0"/>
               <a:t>Click icon to add picture</a:t>
             </a:r>
-            <a:endParaRPr lang="en-US" dirty="0"/>
-          </a:p>
-        </p:txBody>
-      </p:sp>
-      <p:sp>
-        <p:nvSpPr>
-          <p:cNvPr id="5" name="Date Placeholder 4"/>
-          <p:cNvSpPr>
-            <a:spLocks noGrp="1"/>
-          </p:cNvSpPr>
-          <p:nvPr>
-            <p:ph type="dt" sz="half" idx="10"/>
-          </p:nvPr>
-        </p:nvSpPr>
-        <p:spPr>
-          <a:xfrm>
-            <a:off x="3885810" y="6041362"/>
-            <a:ext cx="976879" cy="365125"/>
-          </a:xfrm>
-        </p:spPr>
-        <p:txBody>
-          <a:bodyPr/>
-          <a:lstStyle/>
-          <a:p>
-            <a:fld id="{A55E709B-C4AD-4356-B3D6-20DACB20CCCE}" type="datetimeFigureOut">
-              <a:rPr lang="en-US" smtClean="0"/>
-              <a:t>9/18/2024</a:t>
-            </a:fld>
-            <a:endParaRPr lang="en-US"/>
-          </a:p>
-        </p:txBody>
-      </p:sp>
-      <p:sp>
-        <p:nvSpPr>
-          <p:cNvPr id="6" name="Footer Placeholder 5"/>
-          <p:cNvSpPr>
-            <a:spLocks noGrp="1"/>
-          </p:cNvSpPr>
-          <p:nvPr>
-            <p:ph type="ftr" sz="quarter" idx="11"/>
-          </p:nvPr>
-        </p:nvSpPr>
-        <p:spPr>
-          <a:xfrm>
-            <a:off x="590396" y="6041362"/>
-            <a:ext cx="3295413" cy="365125"/>
-          </a:xfrm>
-        </p:spPr>
-        <p:txBody>
-          <a:bodyPr/>
-          <a:lstStyle/>
-          <a:p>
-            <a:endParaRPr lang="en-US" dirty="0"/>
-          </a:p>
-        </p:txBody>
-      </p:sp>
-      <p:sp>
-        <p:nvSpPr>
-          <p:cNvPr id="7" name="Slide Number Placeholder 6"/>
-          <p:cNvSpPr>
-            <a:spLocks noGrp="1"/>
-          </p:cNvSpPr>
-          <p:nvPr>
-            <p:ph type="sldNum" sz="quarter" idx="12"/>
-          </p:nvPr>
-        </p:nvSpPr>
-        <p:spPr>
-          <a:xfrm>
-            <a:off x="4862689" y="5915888"/>
-            <a:ext cx="1062155" cy="490599"/>
-          </a:xfrm>
-        </p:spPr>
-        <p:txBody>
-          <a:bodyPr/>
-          <a:lstStyle/>
-          <a:p>
-            <a:fld id="{ECE9279C-7783-41E7-AC24-D1691E4F447C}" type="slidenum">
-              <a:rPr lang="en-US" smtClean="0"/>
-              <a:t>‹#›</a:t>
-            </a:fld>
-            <a:endParaRPr lang="en-US"/>
           </a:p>
         </p:txBody>
       </p:sp>
@@ -898,7 +676,7 @@
         </p:nvSpPr>
         <p:spPr>
           <a:xfrm>
-            <a:off x="842854" y="2129443"/>
+            <a:off x="814728" y="2500379"/>
             <a:ext cx="4550912" cy="3599317"/>
           </a:xfrm>
         </p:spPr>
@@ -984,6 +762,60 @@
       </p:grpSpPr>
       <p:sp>
         <p:nvSpPr>
+          <p:cNvPr id="4" name="Speech Bubble: Rectangle 3">
+            <a:extLst>
+              <a:ext uri="{FF2B5EF4-FFF2-40B4-BE49-F238E27FC236}">
+                <a16:creationId xmlns:a16="http://schemas.microsoft.com/office/drawing/2014/main" id="{0FD0F1D4-7BF6-F5CF-6471-126CF3C967F3}"/>
+              </a:ext>
+            </a:extLst>
+          </p:cNvPr>
+          <p:cNvSpPr>
+            <a:spLocks noGrp="1" noRot="1" noMove="1" noResize="1" noEditPoints="1" noAdjustHandles="1" noChangeArrowheads="1" noChangeShapeType="1"/>
+          </p:cNvSpPr>
+          <p:nvPr userDrawn="1"/>
+        </p:nvSpPr>
+        <p:spPr>
+          <a:xfrm rot="5400000">
+            <a:off x="-172529" y="172530"/>
+            <a:ext cx="6858000" cy="6512942"/>
+          </a:xfrm>
+          <a:prstGeom prst="wedgeRectCallout">
+            <a:avLst>
+              <a:gd name="adj1" fmla="val -17740"/>
+              <a:gd name="adj2" fmla="val 47996"/>
+            </a:avLst>
+          </a:prstGeom>
+          <a:solidFill>
+            <a:schemeClr val="accent1"/>
+          </a:solidFill>
+        </p:spPr>
+        <p:style>
+          <a:lnRef idx="2">
+            <a:schemeClr val="accent1">
+              <a:shade val="15000"/>
+            </a:schemeClr>
+          </a:lnRef>
+          <a:fillRef idx="1">
+            <a:schemeClr val="accent1"/>
+          </a:fillRef>
+          <a:effectRef idx="0">
+            <a:schemeClr val="accent1"/>
+          </a:effectRef>
+          <a:fontRef idx="minor">
+            <a:schemeClr val="lt1"/>
+          </a:fontRef>
+        </p:style>
+        <p:txBody>
+          <a:bodyPr rtlCol="0" anchor="ctr"/>
+          <a:lstStyle/>
+          <a:p>
+            <a:pPr algn="ctr"/>
+            <a:endParaRPr lang="en-US" dirty="0"/>
+          </a:p>
+        </p:txBody>
+      </p:sp>
+      <p:sp>
+        <p:nvSpPr>
           <p:cNvPr id="2" name="Title 1"/>
           <p:cNvSpPr>
             <a:spLocks noGrp="1"/>
@@ -999,20 +831,19 @@
           </a:xfrm>
         </p:spPr>
         <p:txBody>
-          <a:bodyPr anchor="b">
+          <a:bodyPr anchor="ctr">
             <a:normAutofit/>
           </a:bodyPr>
           <a:lstStyle>
-            <a:lvl1pPr algn="l">
+            <a:lvl1pPr algn="ctr">
               <a:defRPr sz="2400" b="0"/>
             </a:lvl1pPr>
           </a:lstStyle>
           <a:p>
             <a:r>
-              <a:rPr lang="en-US"/>
+              <a:rPr lang="en-US" dirty="0"/>
               <a:t>Click to edit Master title style</a:t>
             </a:r>
-            <a:endParaRPr lang="en-US" dirty="0"/>
           </a:p>
         </p:txBody>
       </p:sp>
@@ -1028,72 +859,12 @@
         </p:nvSpPr>
         <p:spPr bwMode="auto">
           <a:xfrm>
-            <a:off x="120770" y="1147314"/>
-            <a:ext cx="6093883" cy="4188253"/>
+            <a:off x="258618" y="1440873"/>
+            <a:ext cx="5956035" cy="3500582"/>
           </a:xfrm>
-          <a:custGeom>
+          <a:prstGeom prst="rect">
             <a:avLst/>
-            <a:gdLst/>
-            <a:ahLst/>
-            <a:cxnLst/>
-            <a:rect l="0" t="0" r="r" b="b"/>
-            <a:pathLst>
-              <a:path w="2879" h="4320">
-                <a:moveTo>
-                  <a:pt x="183" y="0"/>
-                </a:moveTo>
-                <a:lnTo>
-                  <a:pt x="183" y="1197"/>
-                </a:lnTo>
-                <a:lnTo>
-                  <a:pt x="8" y="1372"/>
-                </a:lnTo>
-                <a:lnTo>
-                  <a:pt x="8" y="1372"/>
-                </a:lnTo>
-                <a:lnTo>
-                  <a:pt x="6" y="1376"/>
-                </a:lnTo>
-                <a:lnTo>
-                  <a:pt x="3" y="1382"/>
-                </a:lnTo>
-                <a:lnTo>
-                  <a:pt x="0" y="1387"/>
-                </a:lnTo>
-                <a:lnTo>
-                  <a:pt x="0" y="1393"/>
-                </a:lnTo>
-                <a:lnTo>
-                  <a:pt x="0" y="1399"/>
-                </a:lnTo>
-                <a:lnTo>
-                  <a:pt x="3" y="1404"/>
-                </a:lnTo>
-                <a:lnTo>
-                  <a:pt x="6" y="1410"/>
-                </a:lnTo>
-                <a:lnTo>
-                  <a:pt x="8" y="1414"/>
-                </a:lnTo>
-                <a:lnTo>
-                  <a:pt x="183" y="1589"/>
-                </a:lnTo>
-                <a:lnTo>
-                  <a:pt x="183" y="4320"/>
-                </a:lnTo>
-                <a:lnTo>
-                  <a:pt x="2879" y="4320"/>
-                </a:lnTo>
-                <a:lnTo>
-                  <a:pt x="2879" y="0"/>
-                </a:lnTo>
-                <a:lnTo>
-                  <a:pt x="183" y="0"/>
-                </a:lnTo>
-                <a:close/>
-              </a:path>
-            </a:pathLst>
-          </a:custGeom>
+          </a:prstGeom>
           <a:noFill/>
           <a:ln w="9525">
             <a:solidFill>
@@ -1125,86 +896,6 @@
               <a:t>Click icon to add picture</a:t>
             </a:r>
             <a:endParaRPr lang="en-US" dirty="0"/>
-          </a:p>
-        </p:txBody>
-      </p:sp>
-      <p:sp>
-        <p:nvSpPr>
-          <p:cNvPr id="5" name="Date Placeholder 4"/>
-          <p:cNvSpPr>
-            <a:spLocks noGrp="1"/>
-          </p:cNvSpPr>
-          <p:nvPr>
-            <p:ph type="dt" sz="half" idx="10"/>
-          </p:nvPr>
-        </p:nvSpPr>
-        <p:spPr>
-          <a:xfrm>
-            <a:off x="3885810" y="6041362"/>
-            <a:ext cx="976879" cy="365125"/>
-          </a:xfrm>
-        </p:spPr>
-        <p:txBody>
-          <a:bodyPr/>
-          <a:lstStyle/>
-          <a:p>
-            <a:fld id="{A55E709B-C4AD-4356-B3D6-20DACB20CCCE}" type="datetimeFigureOut">
-              <a:rPr lang="en-US" smtClean="0"/>
-              <a:t>9/18/2024</a:t>
-            </a:fld>
-            <a:endParaRPr lang="en-US"/>
-          </a:p>
-        </p:txBody>
-      </p:sp>
-      <p:sp>
-        <p:nvSpPr>
-          <p:cNvPr id="6" name="Footer Placeholder 5"/>
-          <p:cNvSpPr>
-            <a:spLocks noGrp="1"/>
-          </p:cNvSpPr>
-          <p:nvPr>
-            <p:ph type="ftr" sz="quarter" idx="11"/>
-          </p:nvPr>
-        </p:nvSpPr>
-        <p:spPr>
-          <a:xfrm>
-            <a:off x="590396" y="6041362"/>
-            <a:ext cx="3295413" cy="365125"/>
-          </a:xfrm>
-        </p:spPr>
-        <p:txBody>
-          <a:bodyPr/>
-          <a:lstStyle/>
-          <a:p>
-            <a:endParaRPr lang="en-US" dirty="0"/>
-          </a:p>
-        </p:txBody>
-      </p:sp>
-      <p:sp>
-        <p:nvSpPr>
-          <p:cNvPr id="7" name="Slide Number Placeholder 6"/>
-          <p:cNvSpPr>
-            <a:spLocks noGrp="1"/>
-          </p:cNvSpPr>
-          <p:nvPr>
-            <p:ph type="sldNum" sz="quarter" idx="12"/>
-          </p:nvPr>
-        </p:nvSpPr>
-        <p:spPr>
-          <a:xfrm>
-            <a:off x="4862689" y="5915888"/>
-            <a:ext cx="1062155" cy="490599"/>
-          </a:xfrm>
-        </p:spPr>
-        <p:txBody>
-          <a:bodyPr/>
-          <a:lstStyle/>
-          <a:p>
-            <a:fld id="{ECE9279C-7783-41E7-AC24-D1691E4F447C}" type="slidenum">
-              <a:rPr lang="en-US" smtClean="0"/>
-              <a:t>‹#›</a:t>
-            </a:fld>
-            <a:endParaRPr lang="en-US"/>
           </a:p>
         </p:txBody>
       </p:sp>
@@ -1535,83 +1226,17 @@
           </a:xfrm>
         </p:spPr>
         <p:txBody>
-          <a:bodyPr anchor="b"/>
+          <a:bodyPr anchor="ctr"/>
           <a:lstStyle>
-            <a:lvl1pPr algn="l">
-              <a:defRPr sz="4200" b="1" cap="none"/>
+            <a:lvl1pPr algn="ctr">
+              <a:defRPr sz="3600" b="1" cap="none"/>
             </a:lvl1pPr>
           </a:lstStyle>
           <a:p>
             <a:r>
-              <a:rPr lang="en-US"/>
+              <a:rPr lang="en-US" dirty="0"/>
               <a:t>Click to edit Master title style</a:t>
             </a:r>
-            <a:endParaRPr lang="en-US" dirty="0"/>
-          </a:p>
-        </p:txBody>
-      </p:sp>
-      <p:sp>
-        <p:nvSpPr>
-          <p:cNvPr id="4" name="Date Placeholder 3"/>
-          <p:cNvSpPr>
-            <a:spLocks noGrp="1"/>
-          </p:cNvSpPr>
-          <p:nvPr>
-            <p:ph type="dt" sz="half" idx="10"/>
-          </p:nvPr>
-        </p:nvSpPr>
-        <p:spPr/>
-        <p:txBody>
-          <a:bodyPr/>
-          <a:lstStyle/>
-          <a:p>
-            <a:fld id="{A55E709B-C4AD-4356-B3D6-20DACB20CCCE}" type="datetimeFigureOut">
-              <a:rPr lang="en-US" smtClean="0"/>
-              <a:t>9/18/2024</a:t>
-            </a:fld>
-            <a:endParaRPr lang="en-US"/>
-          </a:p>
-        </p:txBody>
-      </p:sp>
-      <p:sp>
-        <p:nvSpPr>
-          <p:cNvPr id="5" name="Footer Placeholder 4"/>
-          <p:cNvSpPr>
-            <a:spLocks noGrp="1"/>
-          </p:cNvSpPr>
-          <p:nvPr>
-            <p:ph type="ftr" sz="quarter" idx="11"/>
-          </p:nvPr>
-        </p:nvSpPr>
-        <p:spPr/>
-        <p:txBody>
-          <a:bodyPr/>
-          <a:lstStyle/>
-          <a:p>
-            <a:endParaRPr lang="en-US"/>
-          </a:p>
-        </p:txBody>
-      </p:sp>
-      <p:sp>
-        <p:nvSpPr>
-          <p:cNvPr id="6" name="Slide Number Placeholder 5"/>
-          <p:cNvSpPr>
-            <a:spLocks noGrp="1"/>
-          </p:cNvSpPr>
-          <p:nvPr>
-            <p:ph type="sldNum" sz="quarter" idx="12"/>
-          </p:nvPr>
-        </p:nvSpPr>
-        <p:spPr/>
-        <p:txBody>
-          <a:bodyPr/>
-          <a:lstStyle/>
-          <a:p>
-            <a:fld id="{ECE9279C-7783-41E7-AC24-D1691E4F447C}" type="slidenum">
-              <a:rPr lang="en-US" smtClean="0"/>
-              <a:t>‹#›</a:t>
-            </a:fld>
-            <a:endParaRPr lang="en-US"/>
           </a:p>
         </p:txBody>
       </p:sp>
@@ -1633,7 +1258,7 @@
         </p:nvSpPr>
         <p:spPr>
           <a:xfrm>
-            <a:off x="578000" y="3303587"/>
+            <a:off x="505928" y="3322186"/>
             <a:ext cx="6254750" cy="2270125"/>
           </a:xfrm>
         </p:spPr>
@@ -1666,7 +1291,7 @@
         </p:nvSpPr>
         <p:spPr>
           <a:xfrm>
-            <a:off x="7135160" y="451513"/>
+            <a:off x="7195545" y="1063989"/>
             <a:ext cx="4550912" cy="5053855"/>
           </a:xfrm>
         </p:spPr>
@@ -1932,7 +1557,7 @@
           <a:p>
             <a:fld id="{A55E709B-C4AD-4356-B3D6-20DACB20CCCE}" type="datetimeFigureOut">
               <a:rPr lang="en-US" smtClean="0"/>
-              <a:t>9/18/2024</a:t>
+              <a:t>9/25/2024</a:t>
             </a:fld>
             <a:endParaRPr lang="en-US"/>
           </a:p>
